--- a/04-More Practices.pptx
+++ b/04-More Practices.pptx
@@ -159,13 +159,18 @@
   </p:defaultTextStyle>
   <p:extLst>
     <p:ext uri="{EFAFB233-063F-42B5-8137-9DF3F51BA10A}">
-      <p15:sldGuideLst xmlns="" xmlns:p15="http://schemas.microsoft.com/office/powerpoint/2012/main">
+      <p15:sldGuideLst xmlns:p15="http://schemas.microsoft.com/office/powerpoint/2012/main">
         <p15:guide id="1" orient="horz" pos="2160">
           <p15:clr>
             <a:srgbClr val="A4A3A4"/>
           </p15:clr>
         </p15:guide>
         <p15:guide id="2" pos="2880">
+          <p15:clr>
+            <a:srgbClr val="A4A3A4"/>
+          </p15:clr>
+        </p15:guide>
+        <p15:guide id="3" orient="horz" pos="1620">
           <p15:clr>
             <a:srgbClr val="A4A3A4"/>
           </p15:clr>
@@ -282,7 +287,7 @@
               <a:pPr>
                 <a:defRPr/>
               </a:pPr>
-              <a:t>1/10/14</a:t>
+              <a:t>1/3/2015</a:t>
             </a:fld>
             <a:endParaRPr lang="en-US"/>
           </a:p>
@@ -496,7 +501,7 @@
               <a:pPr>
                 <a:defRPr/>
               </a:pPr>
-              <a:t>1/10/14</a:t>
+              <a:t>1/3/2015</a:t>
             </a:fld>
             <a:endParaRPr lang="en-US"/>
           </a:p>
@@ -863,7 +868,7 @@
           </a:ln>
           <a:extLst>
             <a:ext uri="{909E8E84-426E-40dd-AFC4-6F175D3DCCD1}">
-              <a14:hiddenFill xmlns:a14="http://schemas.microsoft.com/office/drawing/2010/main">
+              <a14:hiddenFill xmlns:a14="http://schemas.microsoft.com/office/drawing/2010/main" xmlns="">
                 <a:solidFill>
                   <a:srgbClr val="FFFFFF"/>
                 </a:solidFill>
@@ -886,14 +891,14 @@
           <a:noFill/>
           <a:extLst>
             <a:ext uri="{909E8E84-426E-40dd-AFC4-6F175D3DCCD1}">
-              <a14:hiddenFill xmlns:a14="http://schemas.microsoft.com/office/drawing/2010/main">
+              <a14:hiddenFill xmlns:a14="http://schemas.microsoft.com/office/drawing/2010/main" xmlns="">
                 <a:solidFill>
                   <a:srgbClr val="FFFFFF"/>
                 </a:solidFill>
               </a14:hiddenFill>
             </a:ext>
             <a:ext uri="{91240B29-F687-4f45-9708-019B960494DF}">
-              <a14:hiddenLine xmlns:a14="http://schemas.microsoft.com/office/drawing/2010/main" w="9525">
+              <a14:hiddenLine xmlns:a14="http://schemas.microsoft.com/office/drawing/2010/main" xmlns="" w="9525">
                 <a:solidFill>
                   <a:srgbClr val="000000"/>
                 </a:solidFill>
@@ -931,14 +936,14 @@
           <a:noFill/>
           <a:extLst>
             <a:ext uri="{909E8E84-426E-40dd-AFC4-6F175D3DCCD1}">
-              <a14:hiddenFill xmlns:a14="http://schemas.microsoft.com/office/drawing/2010/main">
+              <a14:hiddenFill xmlns:a14="http://schemas.microsoft.com/office/drawing/2010/main" xmlns="">
                 <a:solidFill>
                   <a:srgbClr val="FFFFFF"/>
                 </a:solidFill>
               </a14:hiddenFill>
             </a:ext>
             <a:ext uri="{91240B29-F687-4f45-9708-019B960494DF}">
-              <a14:hiddenLine xmlns:a14="http://schemas.microsoft.com/office/drawing/2010/main" w="9525">
+              <a14:hiddenLine xmlns:a14="http://schemas.microsoft.com/office/drawing/2010/main" xmlns="" w="9525">
                 <a:solidFill>
                   <a:srgbClr val="000000"/>
                 </a:solidFill>
@@ -1804,7 +1809,7 @@
           </a:ln>
           <a:extLst>
             <a:ext uri="{909E8E84-426E-40dd-AFC4-6F175D3DCCD1}">
-              <a14:hiddenFill xmlns:a14="http://schemas.microsoft.com/office/drawing/2010/main">
+              <a14:hiddenFill xmlns:a14="http://schemas.microsoft.com/office/drawing/2010/main" xmlns="">
                 <a:solidFill>
                   <a:srgbClr val="FFFFFF"/>
                 </a:solidFill>
@@ -1827,14 +1832,14 @@
           <a:noFill/>
           <a:extLst>
             <a:ext uri="{909E8E84-426E-40dd-AFC4-6F175D3DCCD1}">
-              <a14:hiddenFill xmlns:a14="http://schemas.microsoft.com/office/drawing/2010/main">
+              <a14:hiddenFill xmlns:a14="http://schemas.microsoft.com/office/drawing/2010/main" xmlns="">
                 <a:solidFill>
                   <a:srgbClr val="FFFFFF"/>
                 </a:solidFill>
               </a14:hiddenFill>
             </a:ext>
             <a:ext uri="{91240B29-F687-4f45-9708-019B960494DF}">
-              <a14:hiddenLine xmlns:a14="http://schemas.microsoft.com/office/drawing/2010/main" w="9525">
+              <a14:hiddenLine xmlns:a14="http://schemas.microsoft.com/office/drawing/2010/main" xmlns="" w="9525">
                 <a:solidFill>
                   <a:srgbClr val="000000"/>
                 </a:solidFill>
@@ -1872,14 +1877,14 @@
           <a:noFill/>
           <a:extLst>
             <a:ext uri="{909E8E84-426E-40dd-AFC4-6F175D3DCCD1}">
-              <a14:hiddenFill xmlns:a14="http://schemas.microsoft.com/office/drawing/2010/main">
+              <a14:hiddenFill xmlns:a14="http://schemas.microsoft.com/office/drawing/2010/main" xmlns="">
                 <a:solidFill>
                   <a:srgbClr val="FFFFFF"/>
                 </a:solidFill>
               </a14:hiddenFill>
             </a:ext>
             <a:ext uri="{91240B29-F687-4f45-9708-019B960494DF}">
-              <a14:hiddenLine xmlns:a14="http://schemas.microsoft.com/office/drawing/2010/main" w="9525">
+              <a14:hiddenLine xmlns:a14="http://schemas.microsoft.com/office/drawing/2010/main" xmlns="" w="9525">
                 <a:solidFill>
                   <a:srgbClr val="000000"/>
                 </a:solidFill>
@@ -2213,7 +2218,7 @@
           <a:p>
             <a:fld id="{88565F0F-6700-4969-BECD-871F0A7650B0}" type="datetimeFigureOut">
               <a:rPr lang="en-US" smtClean="0"/>
-              <a:t>1/10/14</a:t>
+              <a:t>1/3/2015</a:t>
             </a:fld>
             <a:endParaRPr lang="en-US"/>
           </a:p>
@@ -2383,7 +2388,7 @@
           <a:p>
             <a:fld id="{88565F0F-6700-4969-BECD-871F0A7650B0}" type="datetimeFigureOut">
               <a:rPr lang="en-US" smtClean="0"/>
-              <a:t>1/10/14</a:t>
+              <a:t>1/3/2015</a:t>
             </a:fld>
             <a:endParaRPr lang="en-US"/>
           </a:p>
@@ -2564,7 +2569,7 @@
           <a:p>
             <a:fld id="{88565F0F-6700-4969-BECD-871F0A7650B0}" type="datetimeFigureOut">
               <a:rPr lang="en-US" smtClean="0"/>
-              <a:t>1/10/14</a:t>
+              <a:t>1/3/2015</a:t>
             </a:fld>
             <a:endParaRPr lang="en-US"/>
           </a:p>
@@ -2854,7 +2859,7 @@
           <a:p>
             <a:fld id="{88565F0F-6700-4969-BECD-871F0A7650B0}" type="datetimeFigureOut">
               <a:rPr lang="en-US" smtClean="0"/>
-              <a:t>1/10/14</a:t>
+              <a:t>1/3/2015</a:t>
             </a:fld>
             <a:endParaRPr lang="en-US"/>
           </a:p>
@@ -3101,7 +3106,7 @@
           <a:p>
             <a:fld id="{88565F0F-6700-4969-BECD-871F0A7650B0}" type="datetimeFigureOut">
               <a:rPr lang="en-US" smtClean="0"/>
-              <a:t>1/10/14</a:t>
+              <a:t>1/3/2015</a:t>
             </a:fld>
             <a:endParaRPr lang="en-US"/>
           </a:p>
@@ -3389,7 +3394,7 @@
           <a:p>
             <a:fld id="{88565F0F-6700-4969-BECD-871F0A7650B0}" type="datetimeFigureOut">
               <a:rPr lang="en-US" smtClean="0"/>
-              <a:t>1/10/14</a:t>
+              <a:t>1/3/2015</a:t>
             </a:fld>
             <a:endParaRPr lang="en-US"/>
           </a:p>
@@ -3811,7 +3816,7 @@
           <a:p>
             <a:fld id="{88565F0F-6700-4969-BECD-871F0A7650B0}" type="datetimeFigureOut">
               <a:rPr lang="en-US" smtClean="0"/>
-              <a:t>1/10/14</a:t>
+              <a:t>1/3/2015</a:t>
             </a:fld>
             <a:endParaRPr lang="en-US"/>
           </a:p>
@@ -3930,7 +3935,7 @@
           <a:p>
             <a:fld id="{88565F0F-6700-4969-BECD-871F0A7650B0}" type="datetimeFigureOut">
               <a:rPr lang="en-US" smtClean="0"/>
-              <a:t>1/10/14</a:t>
+              <a:t>1/3/2015</a:t>
             </a:fld>
             <a:endParaRPr lang="en-US"/>
           </a:p>
@@ -4026,7 +4031,7 @@
           <a:p>
             <a:fld id="{88565F0F-6700-4969-BECD-871F0A7650B0}" type="datetimeFigureOut">
               <a:rPr lang="en-US" smtClean="0"/>
-              <a:t>1/10/14</a:t>
+              <a:t>1/3/2015</a:t>
             </a:fld>
             <a:endParaRPr lang="en-US"/>
           </a:p>
@@ -4304,7 +4309,7 @@
           <a:p>
             <a:fld id="{88565F0F-6700-4969-BECD-871F0A7650B0}" type="datetimeFigureOut">
               <a:rPr lang="en-US" smtClean="0"/>
-              <a:t>1/10/14</a:t>
+              <a:t>1/3/2015</a:t>
             </a:fld>
             <a:endParaRPr lang="en-US"/>
           </a:p>
@@ -4558,7 +4563,7 @@
           <a:p>
             <a:fld id="{88565F0F-6700-4969-BECD-871F0A7650B0}" type="datetimeFigureOut">
               <a:rPr lang="en-US" smtClean="0"/>
-              <a:t>1/10/14</a:t>
+              <a:t>1/3/2015</a:t>
             </a:fld>
             <a:endParaRPr lang="en-US"/>
           </a:p>
@@ -4771,7 +4776,7 @@
           <a:p>
             <a:fld id="{88565F0F-6700-4969-BECD-871F0A7650B0}" type="datetimeFigureOut">
               <a:rPr lang="en-US" smtClean="0"/>
-              <a:t>1/10/14</a:t>
+              <a:t>1/3/2015</a:t>
             </a:fld>
             <a:endParaRPr lang="en-US"/>
           </a:p>
@@ -4857,7 +4862,7 @@
       </p:sp>
       <p:pic>
         <p:nvPicPr>
-          <p:cNvPr id="7" name="Picture 6" descr="logo-codemash.png"/>
+          <p:cNvPr id="7" name="Picture 6"/>
           <p:cNvPicPr>
             <a:picLocks noChangeAspect="1"/>
           </p:cNvPicPr>
@@ -4877,8 +4882,8 @@
         </p:blipFill>
         <p:spPr>
           <a:xfrm>
-            <a:off x="2926" y="0"/>
-            <a:ext cx="908548" cy="926996"/>
+            <a:off x="109728" y="118872"/>
+            <a:ext cx="760836" cy="926996"/>
           </a:xfrm>
           <a:prstGeom prst="rect">
             <a:avLst/>
@@ -5251,13 +5256,25 @@
               <a:rPr lang="en-US" dirty="0" smtClean="0">
                 <a:latin typeface="News Gothic Com Thin" charset="0"/>
               </a:rPr>
-              <a:t>Steve Smith | @</a:t>
+              <a:t>Brendan Enrick </a:t>
+            </a:r>
+            <a:r>
+              <a:rPr lang="en-US" dirty="0" smtClean="0">
+                <a:latin typeface="News Gothic Com Thin" charset="0"/>
+              </a:rPr>
+              <a:t>| </a:t>
+            </a:r>
+            <a:r>
+              <a:rPr lang="en-US" dirty="0" smtClean="0">
+                <a:latin typeface="News Gothic Com Thin" charset="0"/>
+              </a:rPr>
+              <a:t>@</a:t>
             </a:r>
             <a:r>
               <a:rPr lang="en-US" dirty="0" err="1" smtClean="0">
                 <a:latin typeface="News Gothic Com Thin" charset="0"/>
               </a:rPr>
-              <a:t>ardalis</a:t>
+              <a:t>brendoneus</a:t>
             </a:r>
             <a:endParaRPr lang="en-US" dirty="0">
               <a:latin typeface="News Gothic Com Thin" charset="0"/>
@@ -5449,13 +5466,37 @@
               <a:rPr lang="en-US" dirty="0" smtClean="0">
                 <a:latin typeface="News Gothic Com Thin" charset="0"/>
               </a:rPr>
-              <a:t>Brendan Enrick | @</a:t>
+              <a:t>Jeff </a:t>
             </a:r>
             <a:r>
               <a:rPr lang="en-US" dirty="0" err="1" smtClean="0">
                 <a:latin typeface="News Gothic Com Thin" charset="0"/>
               </a:rPr>
-              <a:t>brendoneus</a:t>
+              <a:t>Valore</a:t>
+            </a:r>
+            <a:r>
+              <a:rPr lang="en-US" dirty="0" smtClean="0">
+                <a:latin typeface="News Gothic Com Thin" charset="0"/>
+              </a:rPr>
+              <a:t> </a:t>
+            </a:r>
+            <a:r>
+              <a:rPr lang="en-US" dirty="0" smtClean="0">
+                <a:latin typeface="News Gothic Com Thin" charset="0"/>
+              </a:rPr>
+              <a:t>| </a:t>
+            </a:r>
+            <a:r>
+              <a:rPr lang="en-US" dirty="0" smtClean="0">
+                <a:latin typeface="News Gothic Com Thin" charset="0"/>
+              </a:rPr>
+              <a:t>@</a:t>
+            </a:r>
+            <a:r>
+              <a:rPr lang="en-US" dirty="0" err="1" smtClean="0">
+                <a:latin typeface="News Gothic Com Thin" charset="0"/>
+              </a:rPr>
+              <a:t>CodingWithSpike</a:t>
             </a:r>
             <a:endParaRPr lang="en-US" dirty="0">
               <a:latin typeface="News Gothic Com Thin" charset="0"/>
@@ -5468,13 +5509,13 @@
   <p:clrMapOvr>
     <a:masterClrMapping/>
   </p:clrMapOvr>
-  <p:transition xmlns:p14="http://schemas.microsoft.com/office/powerpoint/2010/main" spd="slow">
+  <p:transition spd="slow">
     <p:push/>
   </p:transition>
   <p:timing>
     <p:tnLst>
       <p:par>
-        <p:cTn xmlns:p14="http://schemas.microsoft.com/office/powerpoint/2010/main" id="1" dur="indefinite" restart="never" nodeType="tmRoot"/>
+        <p:cTn id="1" dur="indefinite" restart="never" nodeType="tmRoot"/>
       </p:par>
     </p:tnLst>
   </p:timing>
@@ -5576,7 +5617,7 @@
   <p:timing>
     <p:tnLst>
       <p:par>
-        <p:cTn xmlns:p14="http://schemas.microsoft.com/office/powerpoint/2010/main" id="1" dur="indefinite" restart="never" nodeType="tmRoot"/>
+        <p:cTn id="1" dur="indefinite" restart="never" nodeType="tmRoot"/>
       </p:par>
     </p:tnLst>
   </p:timing>
@@ -5682,7 +5723,7 @@
   <p:timing>
     <p:tnLst>
       <p:par>
-        <p:cTn xmlns:p14="http://schemas.microsoft.com/office/powerpoint/2010/main" id="1" dur="indefinite" restart="never" nodeType="tmRoot"/>
+        <p:cTn id="1" dur="indefinite" restart="never" nodeType="tmRoot"/>
       </p:par>
     </p:tnLst>
   </p:timing>
@@ -5805,7 +5846,7 @@
   <p:timing>
     <p:tnLst>
       <p:par>
-        <p:cTn xmlns:p14="http://schemas.microsoft.com/office/powerpoint/2010/main" id="1" dur="indefinite" restart="never" nodeType="tmRoot"/>
+        <p:cTn id="1" dur="indefinite" restart="never" nodeType="tmRoot"/>
       </p:par>
     </p:tnLst>
   </p:timing>
@@ -5907,7 +5948,7 @@
   <p:timing>
     <p:tnLst>
       <p:par>
-        <p:cTn xmlns:p14="http://schemas.microsoft.com/office/powerpoint/2010/main" id="1" dur="indefinite" restart="never" nodeType="tmRoot"/>
+        <p:cTn id="1" dur="indefinite" restart="never" nodeType="tmRoot"/>
       </p:par>
     </p:tnLst>
   </p:timing>
@@ -6033,7 +6074,7 @@
   <p:timing>
     <p:tnLst>
       <p:par>
-        <p:cTn xmlns:p14="http://schemas.microsoft.com/office/powerpoint/2010/main" id="1" dur="indefinite" restart="never" nodeType="tmRoot"/>
+        <p:cTn id="1" dur="indefinite" restart="never" nodeType="tmRoot"/>
       </p:par>
     </p:tnLst>
   </p:timing>
@@ -6149,7 +6190,7 @@
   <p:timing>
     <p:tnLst>
       <p:par>
-        <p:cTn xmlns:p14="http://schemas.microsoft.com/office/powerpoint/2010/main" id="1" dur="indefinite" restart="never" nodeType="tmRoot"/>
+        <p:cTn id="1" dur="indefinite" restart="never" nodeType="tmRoot"/>
       </p:par>
     </p:tnLst>
   </p:timing>
@@ -6299,7 +6340,7 @@
   <p:timing>
     <p:tnLst>
       <p:par>
-        <p:cTn xmlns:p14="http://schemas.microsoft.com/office/powerpoint/2010/main" id="1" dur="indefinite" restart="never" nodeType="tmRoot"/>
+        <p:cTn id="1" dur="indefinite" restart="never" nodeType="tmRoot"/>
       </p:par>
     </p:tnLst>
   </p:timing>
@@ -6416,7 +6457,7 @@
   <p:timing>
     <p:tnLst>
       <p:par>
-        <p:cTn xmlns:p14="http://schemas.microsoft.com/office/powerpoint/2010/main" id="1" dur="indefinite" restart="never" nodeType="tmRoot"/>
+        <p:cTn id="1" dur="indefinite" restart="never" nodeType="tmRoot"/>
       </p:par>
     </p:tnLst>
   </p:timing>
@@ -6509,7 +6550,7 @@
   <p:timing>
     <p:tnLst>
       <p:par>
-        <p:cTn xmlns:p14="http://schemas.microsoft.com/office/powerpoint/2010/main" id="1" dur="indefinite" restart="never" nodeType="tmRoot"/>
+        <p:cTn id="1" dur="indefinite" restart="never" nodeType="tmRoot"/>
       </p:par>
     </p:tnLst>
   </p:timing>
@@ -6651,13 +6692,13 @@
   <p:clrMapOvr>
     <a:masterClrMapping/>
   </p:clrMapOvr>
-  <p:transition xmlns:p14="http://schemas.microsoft.com/office/powerpoint/2010/main" spd="slow">
+  <p:transition spd="slow">
     <p:push/>
   </p:transition>
   <p:timing>
     <p:tnLst>
       <p:par>
-        <p:cTn xmlns:p14="http://schemas.microsoft.com/office/powerpoint/2010/main" id="1" dur="indefinite" restart="never" nodeType="tmRoot">
+        <p:cTn id="1" dur="indefinite" restart="never" nodeType="tmRoot">
           <p:childTnLst>
             <p:seq concurrent="1" nextAc="seek">
               <p:cTn id="2" dur="indefinite" nodeType="mainSeq">
@@ -6987,13 +7028,13 @@
   <p:clrMapOvr>
     <a:masterClrMapping/>
   </p:clrMapOvr>
-  <p:transition xmlns:p14="http://schemas.microsoft.com/office/powerpoint/2010/main" spd="slow">
+  <p:transition spd="slow">
     <p:push/>
   </p:transition>
   <p:timing>
     <p:tnLst>
       <p:par>
-        <p:cTn xmlns:p14="http://schemas.microsoft.com/office/powerpoint/2010/main" id="1" dur="indefinite" restart="never" nodeType="tmRoot">
+        <p:cTn id="1" dur="indefinite" restart="never" nodeType="tmRoot">
           <p:childTnLst>
             <p:seq concurrent="1" nextAc="seek">
               <p:cTn id="2" dur="indefinite" nodeType="mainSeq">
@@ -7305,13 +7346,13 @@
   <p:clrMapOvr>
     <a:masterClrMapping/>
   </p:clrMapOvr>
-  <p:transition xmlns:p14="http://schemas.microsoft.com/office/powerpoint/2010/main" spd="slow">
+  <p:transition spd="slow">
     <p:push/>
   </p:transition>
   <p:timing>
     <p:tnLst>
       <p:par>
-        <p:cTn xmlns:p14="http://schemas.microsoft.com/office/powerpoint/2010/main" id="1" dur="indefinite" restart="never" nodeType="tmRoot">
+        <p:cTn id="1" dur="indefinite" restart="never" nodeType="tmRoot">
           <p:childTnLst>
             <p:seq concurrent="1" nextAc="seek">
               <p:cTn id="2" dur="indefinite" nodeType="mainSeq">
@@ -7565,14 +7606,14 @@
           </a:ln>
           <a:extLst>
             <a:ext uri="{909E8E84-426E-40dd-AFC4-6F175D3DCCD1}">
-              <a14:hiddenFill xmlns:a14="http://schemas.microsoft.com/office/drawing/2010/main">
+              <a14:hiddenFill xmlns:a14="http://schemas.microsoft.com/office/drawing/2010/main" xmlns="">
                 <a:solidFill>
                   <a:srgbClr val="FFFFFF"/>
                 </a:solidFill>
               </a14:hiddenFill>
             </a:ext>
             <a:ext uri="{91240B29-F687-4f45-9708-019B960494DF}">
-              <a14:hiddenLine xmlns:a14="http://schemas.microsoft.com/office/drawing/2010/main" w="9525">
+              <a14:hiddenLine xmlns:a14="http://schemas.microsoft.com/office/drawing/2010/main" xmlns="" w="9525">
                 <a:solidFill>
                   <a:srgbClr val="000000"/>
                 </a:solidFill>
@@ -7594,13 +7635,13 @@
   <p:clrMapOvr>
     <a:masterClrMapping/>
   </p:clrMapOvr>
-  <p:transition xmlns:p14="http://schemas.microsoft.com/office/powerpoint/2010/main" spd="slow">
+  <p:transition spd="slow">
     <p:push/>
   </p:transition>
   <p:timing>
     <p:tnLst>
       <p:par>
-        <p:cTn xmlns:p14="http://schemas.microsoft.com/office/powerpoint/2010/main" id="1" dur="indefinite" restart="never" nodeType="tmRoot">
+        <p:cTn id="1" dur="indefinite" restart="never" nodeType="tmRoot">
           <p:childTnLst>
             <p:seq concurrent="1" nextAc="seek">
               <p:cTn id="2" dur="indefinite" nodeType="mainSeq">
@@ -8223,13 +8264,13 @@
   <p:clrMapOvr>
     <a:masterClrMapping/>
   </p:clrMapOvr>
-  <p:transition xmlns:p14="http://schemas.microsoft.com/office/powerpoint/2010/main" spd="slow">
+  <p:transition spd="slow">
     <p:push/>
   </p:transition>
   <p:timing>
     <p:tnLst>
       <p:par>
-        <p:cTn xmlns:p14="http://schemas.microsoft.com/office/powerpoint/2010/main" id="1" dur="indefinite" restart="never" nodeType="tmRoot">
+        <p:cTn id="1" dur="indefinite" restart="never" nodeType="tmRoot">
           <p:childTnLst>
             <p:seq concurrent="1" nextAc="seek">
               <p:cTn id="2" dur="indefinite" nodeType="mainSeq">
@@ -8616,7 +8657,7 @@
   <p:timing>
     <p:tnLst>
       <p:par>
-        <p:cTn xmlns:p14="http://schemas.microsoft.com/office/powerpoint/2010/main" id="1" dur="indefinite" restart="never" nodeType="tmRoot"/>
+        <p:cTn id="1" dur="indefinite" restart="never" nodeType="tmRoot"/>
       </p:par>
     </p:tnLst>
   </p:timing>
@@ -8719,7 +8760,7 @@
   <p:timing>
     <p:tnLst>
       <p:par>
-        <p:cTn xmlns:p14="http://schemas.microsoft.com/office/powerpoint/2010/main" id="1" dur="indefinite" restart="never" nodeType="tmRoot"/>
+        <p:cTn id="1" dur="indefinite" restart="never" nodeType="tmRoot"/>
       </p:par>
     </p:tnLst>
   </p:timing>
@@ -8840,7 +8881,7 @@
   <p:timing>
     <p:tnLst>
       <p:par>
-        <p:cTn xmlns:p14="http://schemas.microsoft.com/office/powerpoint/2010/main" id="1" dur="indefinite" restart="never" nodeType="tmRoot"/>
+        <p:cTn id="1" dur="indefinite" restart="never" nodeType="tmRoot"/>
       </p:par>
     </p:tnLst>
   </p:timing>

--- a/04-More Practices.pptx
+++ b/04-More Practices.pptx
@@ -27,7 +27,7 @@
     <p:sldId id="291" r:id="rId15"/>
     <p:sldId id="292" r:id="rId16"/>
     <p:sldId id="293" r:id="rId17"/>
-    <p:sldId id="294" r:id="rId18"/>
+    <p:sldId id="295" r:id="rId18"/>
     <p:sldId id="278" r:id="rId19"/>
   </p:sldIdLst>
   <p:sldSz cx="9144000" cy="5143500" type="screen16x9"/>
@@ -287,7 +287,7 @@
               <a:pPr>
                 <a:defRPr/>
               </a:pPr>
-              <a:t>1/3/2015</a:t>
+              <a:t>1/6/2015</a:t>
             </a:fld>
             <a:endParaRPr lang="en-US"/>
           </a:p>
@@ -501,7 +501,7 @@
               <a:pPr>
                 <a:defRPr/>
               </a:pPr>
-              <a:t>1/3/2015</a:t>
+              <a:t>1/6/2015</a:t>
             </a:fld>
             <a:endParaRPr lang="en-US"/>
           </a:p>
@@ -2218,7 +2218,7 @@
           <a:p>
             <a:fld id="{88565F0F-6700-4969-BECD-871F0A7650B0}" type="datetimeFigureOut">
               <a:rPr lang="en-US" smtClean="0"/>
-              <a:t>1/3/2015</a:t>
+              <a:t>1/6/2015</a:t>
             </a:fld>
             <a:endParaRPr lang="en-US"/>
           </a:p>
@@ -2388,7 +2388,7 @@
           <a:p>
             <a:fld id="{88565F0F-6700-4969-BECD-871F0A7650B0}" type="datetimeFigureOut">
               <a:rPr lang="en-US" smtClean="0"/>
-              <a:t>1/3/2015</a:t>
+              <a:t>1/6/2015</a:t>
             </a:fld>
             <a:endParaRPr lang="en-US"/>
           </a:p>
@@ -2569,7 +2569,7 @@
           <a:p>
             <a:fld id="{88565F0F-6700-4969-BECD-871F0A7650B0}" type="datetimeFigureOut">
               <a:rPr lang="en-US" smtClean="0"/>
-              <a:t>1/3/2015</a:t>
+              <a:t>1/6/2015</a:t>
             </a:fld>
             <a:endParaRPr lang="en-US"/>
           </a:p>
@@ -2859,7 +2859,7 @@
           <a:p>
             <a:fld id="{88565F0F-6700-4969-BECD-871F0A7650B0}" type="datetimeFigureOut">
               <a:rPr lang="en-US" smtClean="0"/>
-              <a:t>1/3/2015</a:t>
+              <a:t>1/6/2015</a:t>
             </a:fld>
             <a:endParaRPr lang="en-US"/>
           </a:p>
@@ -3106,7 +3106,7 @@
           <a:p>
             <a:fld id="{88565F0F-6700-4969-BECD-871F0A7650B0}" type="datetimeFigureOut">
               <a:rPr lang="en-US" smtClean="0"/>
-              <a:t>1/3/2015</a:t>
+              <a:t>1/6/2015</a:t>
             </a:fld>
             <a:endParaRPr lang="en-US"/>
           </a:p>
@@ -3394,7 +3394,7 @@
           <a:p>
             <a:fld id="{88565F0F-6700-4969-BECD-871F0A7650B0}" type="datetimeFigureOut">
               <a:rPr lang="en-US" smtClean="0"/>
-              <a:t>1/3/2015</a:t>
+              <a:t>1/6/2015</a:t>
             </a:fld>
             <a:endParaRPr lang="en-US"/>
           </a:p>
@@ -3816,7 +3816,7 @@
           <a:p>
             <a:fld id="{88565F0F-6700-4969-BECD-871F0A7650B0}" type="datetimeFigureOut">
               <a:rPr lang="en-US" smtClean="0"/>
-              <a:t>1/3/2015</a:t>
+              <a:t>1/6/2015</a:t>
             </a:fld>
             <a:endParaRPr lang="en-US"/>
           </a:p>
@@ -3935,7 +3935,7 @@
           <a:p>
             <a:fld id="{88565F0F-6700-4969-BECD-871F0A7650B0}" type="datetimeFigureOut">
               <a:rPr lang="en-US" smtClean="0"/>
-              <a:t>1/3/2015</a:t>
+              <a:t>1/6/2015</a:t>
             </a:fld>
             <a:endParaRPr lang="en-US"/>
           </a:p>
@@ -4031,7 +4031,7 @@
           <a:p>
             <a:fld id="{88565F0F-6700-4969-BECD-871F0A7650B0}" type="datetimeFigureOut">
               <a:rPr lang="en-US" smtClean="0"/>
-              <a:t>1/3/2015</a:t>
+              <a:t>1/6/2015</a:t>
             </a:fld>
             <a:endParaRPr lang="en-US"/>
           </a:p>
@@ -4309,7 +4309,7 @@
           <a:p>
             <a:fld id="{88565F0F-6700-4969-BECD-871F0A7650B0}" type="datetimeFigureOut">
               <a:rPr lang="en-US" smtClean="0"/>
-              <a:t>1/3/2015</a:t>
+              <a:t>1/6/2015</a:t>
             </a:fld>
             <a:endParaRPr lang="en-US"/>
           </a:p>
@@ -4563,7 +4563,7 @@
           <a:p>
             <a:fld id="{88565F0F-6700-4969-BECD-871F0A7650B0}" type="datetimeFigureOut">
               <a:rPr lang="en-US" smtClean="0"/>
-              <a:t>1/3/2015</a:t>
+              <a:t>1/6/2015</a:t>
             </a:fld>
             <a:endParaRPr lang="en-US"/>
           </a:p>
@@ -4776,7 +4776,7 @@
           <a:p>
             <a:fld id="{88565F0F-6700-4969-BECD-871F0A7650B0}" type="datetimeFigureOut">
               <a:rPr lang="en-US" smtClean="0"/>
-              <a:t>1/3/2015</a:t>
+              <a:t>1/6/2015</a:t>
             </a:fld>
             <a:endParaRPr lang="en-US"/>
           </a:p>
@@ -4912,6 +4912,13 @@
     <p:sldLayoutId id="2147483819" r:id="rId11"/>
     <p:sldLayoutId id="2147483800" r:id="rId12"/>
   </p:sldLayoutIdLst>
+  <p:timing>
+    <p:tnLst>
+      <p:par>
+        <p:cTn id="1" dur="indefinite" restart="never" nodeType="tmRoot"/>
+      </p:par>
+    </p:tnLst>
+  </p:timing>
   <p:hf sldNum="0" hdr="0" ftr="0" dt="0"/>
   <p:txStyles>
     <p:titleStyle>
@@ -5256,19 +5263,7 @@
               <a:rPr lang="en-US" dirty="0" smtClean="0">
                 <a:latin typeface="News Gothic Com Thin" charset="0"/>
               </a:rPr>
-              <a:t>Brendan Enrick </a:t>
-            </a:r>
-            <a:r>
-              <a:rPr lang="en-US" dirty="0" smtClean="0">
-                <a:latin typeface="News Gothic Com Thin" charset="0"/>
-              </a:rPr>
-              <a:t>| </a:t>
-            </a:r>
-            <a:r>
-              <a:rPr lang="en-US" dirty="0" smtClean="0">
-                <a:latin typeface="News Gothic Com Thin" charset="0"/>
-              </a:rPr>
-              <a:t>@</a:t>
+              <a:t>Brendan Enrick | @</a:t>
             </a:r>
             <a:r>
               <a:rPr lang="en-US" dirty="0" err="1" smtClean="0">
@@ -5478,19 +5473,7 @@
               <a:rPr lang="en-US" dirty="0" smtClean="0">
                 <a:latin typeface="News Gothic Com Thin" charset="0"/>
               </a:rPr>
-              <a:t> </a:t>
-            </a:r>
-            <a:r>
-              <a:rPr lang="en-US" dirty="0" smtClean="0">
-                <a:latin typeface="News Gothic Com Thin" charset="0"/>
-              </a:rPr>
-              <a:t>| </a:t>
-            </a:r>
-            <a:r>
-              <a:rPr lang="en-US" dirty="0" smtClean="0">
-                <a:latin typeface="News Gothic Com Thin" charset="0"/>
-              </a:rPr>
-              <a:t>@</a:t>
+              <a:t> | @</a:t>
             </a:r>
             <a:r>
               <a:rPr lang="en-US" dirty="0" err="1" smtClean="0">
@@ -6380,74 +6363,45 @@
           <a:lstStyle/>
           <a:p>
             <a:r>
-              <a:rPr lang="en-US" smtClean="0"/>
-              <a:t>Mocking with JustMock</a:t>
+              <a:rPr lang="en-US" dirty="0" err="1" smtClean="0"/>
+              <a:t>Moq</a:t>
+            </a:r>
+            <a:r>
+              <a:rPr lang="en-US" dirty="0" smtClean="0"/>
+              <a:t> Sample</a:t>
             </a:r>
             <a:endParaRPr lang="en-US" dirty="0"/>
           </a:p>
         </p:txBody>
       </p:sp>
-      <p:sp>
-        <p:nvSpPr>
-          <p:cNvPr id="6" name="Content Placeholder 5"/>
-          <p:cNvSpPr>
-            <a:spLocks noGrp="1"/>
-          </p:cNvSpPr>
-          <p:nvPr>
-            <p:ph idx="1"/>
-          </p:nvPr>
-        </p:nvSpPr>
-        <p:spPr/>
-        <p:txBody>
-          <a:bodyPr>
-            <a:normAutofit fontScale="92500"/>
-          </a:bodyPr>
-          <a:lstStyle/>
-          <a:p>
-            <a:r>
-              <a:rPr lang="en-US" smtClean="0"/>
-              <a:t>Create a Mock</a:t>
-            </a:r>
-          </a:p>
-          <a:p>
-            <a:r>
-              <a:rPr lang="en-US" smtClean="0"/>
-              <a:t>var foo = Mock.Create&lt;IFoo&gt;();</a:t>
-            </a:r>
-          </a:p>
-          <a:p>
-            <a:r>
-              <a:rPr lang="en-US" smtClean="0"/>
-              <a:t>Specify Behavior</a:t>
-            </a:r>
-          </a:p>
-          <a:p>
-            <a:r>
-              <a:rPr lang="en-US" smtClean="0"/>
-              <a:t>Mock.Arrange(() =&gt; foo.IsValid()).Returns(true);</a:t>
-            </a:r>
-          </a:p>
-          <a:p>
-            <a:r>
-              <a:rPr lang="en-US" smtClean="0"/>
-              <a:t>Verify</a:t>
-            </a:r>
-          </a:p>
-          <a:p>
-            <a:r>
-              <a:rPr lang="en-US" smtClean="0"/>
-              <a:t>Mock.Assert(foo);</a:t>
-            </a:r>
-          </a:p>
-          <a:p>
-            <a:endParaRPr lang="en-US" dirty="0"/>
-          </a:p>
-        </p:txBody>
-      </p:sp>
+      <p:pic>
+        <p:nvPicPr>
+          <p:cNvPr id="7" name="Picture 6"/>
+          <p:cNvPicPr>
+            <a:picLocks noChangeAspect="1"/>
+          </p:cNvPicPr>
+          <p:nvPr/>
+        </p:nvPicPr>
+        <p:blipFill>
+          <a:blip r:embed="rId2"/>
+          <a:stretch>
+            <a:fillRect/>
+          </a:stretch>
+        </p:blipFill>
+        <p:spPr>
+          <a:xfrm>
+            <a:off x="457200" y="1200149"/>
+            <a:ext cx="8209098" cy="3279085"/>
+          </a:xfrm>
+          <a:prstGeom prst="rect">
+            <a:avLst/>
+          </a:prstGeom>
+        </p:spPr>
+      </p:pic>
     </p:spTree>
     <p:extLst>
       <p:ext uri="{BB962C8B-B14F-4D97-AF65-F5344CB8AC3E}">
-        <p14:creationId xmlns:p14="http://schemas.microsoft.com/office/powerpoint/2010/main" val="64604701"/>
+        <p14:creationId xmlns:p14="http://schemas.microsoft.com/office/powerpoint/2010/main" val="2594490007"/>
       </p:ext>
     </p:extLst>
   </p:cSld>

--- a/04-More Practices.pptx
+++ b/04-More Practices.pptx
@@ -868,7 +868,7 @@
           </a:ln>
           <a:extLst>
             <a:ext uri="{909E8E84-426E-40dd-AFC4-6F175D3DCCD1}">
-              <a14:hiddenFill xmlns:a14="http://schemas.microsoft.com/office/drawing/2010/main" xmlns="">
+              <a14:hiddenFill xmlns="" xmlns:a14="http://schemas.microsoft.com/office/drawing/2010/main">
                 <a:solidFill>
                   <a:srgbClr val="FFFFFF"/>
                 </a:solidFill>
@@ -891,14 +891,14 @@
           <a:noFill/>
           <a:extLst>
             <a:ext uri="{909E8E84-426E-40dd-AFC4-6F175D3DCCD1}">
-              <a14:hiddenFill xmlns:a14="http://schemas.microsoft.com/office/drawing/2010/main" xmlns="">
+              <a14:hiddenFill xmlns="" xmlns:a14="http://schemas.microsoft.com/office/drawing/2010/main">
                 <a:solidFill>
                   <a:srgbClr val="FFFFFF"/>
                 </a:solidFill>
               </a14:hiddenFill>
             </a:ext>
             <a:ext uri="{91240B29-F687-4f45-9708-019B960494DF}">
-              <a14:hiddenLine xmlns:a14="http://schemas.microsoft.com/office/drawing/2010/main" xmlns="" w="9525">
+              <a14:hiddenLine xmlns="" xmlns:a14="http://schemas.microsoft.com/office/drawing/2010/main" w="9525">
                 <a:solidFill>
                   <a:srgbClr val="000000"/>
                 </a:solidFill>
@@ -936,14 +936,14 @@
           <a:noFill/>
           <a:extLst>
             <a:ext uri="{909E8E84-426E-40dd-AFC4-6F175D3DCCD1}">
-              <a14:hiddenFill xmlns:a14="http://schemas.microsoft.com/office/drawing/2010/main" xmlns="">
+              <a14:hiddenFill xmlns="" xmlns:a14="http://schemas.microsoft.com/office/drawing/2010/main">
                 <a:solidFill>
                   <a:srgbClr val="FFFFFF"/>
                 </a:solidFill>
               </a14:hiddenFill>
             </a:ext>
             <a:ext uri="{91240B29-F687-4f45-9708-019B960494DF}">
-              <a14:hiddenLine xmlns:a14="http://schemas.microsoft.com/office/drawing/2010/main" xmlns="" w="9525">
+              <a14:hiddenLine xmlns="" xmlns:a14="http://schemas.microsoft.com/office/drawing/2010/main" w="9525">
                 <a:solidFill>
                   <a:srgbClr val="000000"/>
                 </a:solidFill>
@@ -1809,7 +1809,7 @@
           </a:ln>
           <a:extLst>
             <a:ext uri="{909E8E84-426E-40dd-AFC4-6F175D3DCCD1}">
-              <a14:hiddenFill xmlns:a14="http://schemas.microsoft.com/office/drawing/2010/main" xmlns="">
+              <a14:hiddenFill xmlns="" xmlns:a14="http://schemas.microsoft.com/office/drawing/2010/main">
                 <a:solidFill>
                   <a:srgbClr val="FFFFFF"/>
                 </a:solidFill>
@@ -1832,14 +1832,14 @@
           <a:noFill/>
           <a:extLst>
             <a:ext uri="{909E8E84-426E-40dd-AFC4-6F175D3DCCD1}">
-              <a14:hiddenFill xmlns:a14="http://schemas.microsoft.com/office/drawing/2010/main" xmlns="">
+              <a14:hiddenFill xmlns="" xmlns:a14="http://schemas.microsoft.com/office/drawing/2010/main">
                 <a:solidFill>
                   <a:srgbClr val="FFFFFF"/>
                 </a:solidFill>
               </a14:hiddenFill>
             </a:ext>
             <a:ext uri="{91240B29-F687-4f45-9708-019B960494DF}">
-              <a14:hiddenLine xmlns:a14="http://schemas.microsoft.com/office/drawing/2010/main" xmlns="" w="9525">
+              <a14:hiddenLine xmlns="" xmlns:a14="http://schemas.microsoft.com/office/drawing/2010/main" w="9525">
                 <a:solidFill>
                   <a:srgbClr val="000000"/>
                 </a:solidFill>
@@ -1877,14 +1877,14 @@
           <a:noFill/>
           <a:extLst>
             <a:ext uri="{909E8E84-426E-40dd-AFC4-6F175D3DCCD1}">
-              <a14:hiddenFill xmlns:a14="http://schemas.microsoft.com/office/drawing/2010/main" xmlns="">
+              <a14:hiddenFill xmlns="" xmlns:a14="http://schemas.microsoft.com/office/drawing/2010/main">
                 <a:solidFill>
                   <a:srgbClr val="FFFFFF"/>
                 </a:solidFill>
               </a14:hiddenFill>
             </a:ext>
             <a:ext uri="{91240B29-F687-4f45-9708-019B960494DF}">
-              <a14:hiddenLine xmlns:a14="http://schemas.microsoft.com/office/drawing/2010/main" xmlns="" w="9525">
+              <a14:hiddenLine xmlns="" xmlns:a14="http://schemas.microsoft.com/office/drawing/2010/main" w="9525">
                 <a:solidFill>
                   <a:srgbClr val="000000"/>
                 </a:solidFill>
@@ -6607,12 +6607,29 @@
             </a:r>
           </a:p>
           <a:p>
+            <a:r>
+              <a:rPr lang="en-US" sz="2400" dirty="0" smtClean="0">
+                <a:latin typeface="News Gothic Com Thin" charset="0"/>
+              </a:rPr>
+              <a:t>Dependency Inversion</a:t>
+            </a:r>
+          </a:p>
+          <a:p>
             <a:pPr lvl="1"/>
             <a:r>
               <a:rPr lang="en-US" sz="2000" dirty="0" smtClean="0">
                 <a:latin typeface="News Gothic Com Thin" charset="0"/>
               </a:rPr>
-              <a:t>Test interactions with dependencies</a:t>
+              <a:t>Injection</a:t>
+            </a:r>
+          </a:p>
+          <a:p>
+            <a:pPr lvl="1"/>
+            <a:r>
+              <a:rPr lang="en-US" sz="2000" dirty="0" smtClean="0">
+                <a:latin typeface="News Gothic Com Thin" charset="0"/>
+              </a:rPr>
+              <a:t>Onion Architecture</a:t>
             </a:r>
             <a:endParaRPr lang="en-US" sz="2000" dirty="0">
               <a:latin typeface="News Gothic Com Thin" charset="0"/>
@@ -6712,15 +6729,33 @@
                                   </p:childTnLst>
                                 </p:cTn>
                               </p:par>
+                            </p:childTnLst>
+                          </p:cTn>
+                        </p:par>
+                      </p:childTnLst>
+                    </p:cTn>
+                  </p:par>
+                  <p:par>
+                    <p:cTn id="8" fill="hold">
+                      <p:stCondLst>
+                        <p:cond delay="indefinite"/>
+                      </p:stCondLst>
+                      <p:childTnLst>
+                        <p:par>
+                          <p:cTn id="9" fill="hold">
+                            <p:stCondLst>
+                              <p:cond delay="0"/>
+                            </p:stCondLst>
+                            <p:childTnLst>
                               <p:par>
-                                <p:cTn id="8" presetID="10" presetClass="entr" presetSubtype="0" fill="hold" grpId="0" nodeType="withEffect">
+                                <p:cTn id="10" presetID="10" presetClass="entr" presetSubtype="0" fill="hold" grpId="0" nodeType="clickEffect">
                                   <p:stCondLst>
                                     <p:cond delay="0"/>
                                   </p:stCondLst>
                                   <p:childTnLst>
                                     <p:set>
                                       <p:cBhvr>
-                                        <p:cTn id="9" dur="1" fill="hold">
+                                        <p:cTn id="11" dur="1" fill="hold">
                                           <p:stCondLst>
                                             <p:cond delay="0"/>
                                           </p:stCondLst>
@@ -6742,7 +6777,7 @@
                                     </p:set>
                                     <p:animEffect transition="in" filter="fade">
                                       <p:cBhvr>
-                                        <p:cTn id="10" dur="500"/>
+                                        <p:cTn id="12" dur="500"/>
                                         <p:tgtEl>
                                           <p:spTgt spid="6146">
                                             <p:txEl>
@@ -6755,15 +6790,33 @@
                                   </p:childTnLst>
                                 </p:cTn>
                               </p:par>
+                            </p:childTnLst>
+                          </p:cTn>
+                        </p:par>
+                      </p:childTnLst>
+                    </p:cTn>
+                  </p:par>
+                  <p:par>
+                    <p:cTn id="13" fill="hold">
+                      <p:stCondLst>
+                        <p:cond delay="indefinite"/>
+                      </p:stCondLst>
+                      <p:childTnLst>
+                        <p:par>
+                          <p:cTn id="14" fill="hold">
+                            <p:stCondLst>
+                              <p:cond delay="0"/>
+                            </p:stCondLst>
+                            <p:childTnLst>
                               <p:par>
-                                <p:cTn id="11" presetID="10" presetClass="entr" presetSubtype="0" fill="hold" grpId="0" nodeType="withEffect">
+                                <p:cTn id="15" presetID="10" presetClass="entr" presetSubtype="0" fill="hold" grpId="0" nodeType="clickEffect">
                                   <p:stCondLst>
                                     <p:cond delay="0"/>
                                   </p:stCondLst>
                                   <p:childTnLst>
                                     <p:set>
                                       <p:cBhvr>
-                                        <p:cTn id="12" dur="1" fill="hold">
+                                        <p:cTn id="16" dur="1" fill="hold">
                                           <p:stCondLst>
                                             <p:cond delay="0"/>
                                           </p:stCondLst>
@@ -6785,7 +6838,7 @@
                                     </p:set>
                                     <p:animEffect transition="in" filter="fade">
                                       <p:cBhvr>
-                                        <p:cTn id="13" dur="500"/>
+                                        <p:cTn id="17" dur="500"/>
                                         <p:tgtEl>
                                           <p:spTgt spid="6146">
                                             <p:txEl>
@@ -6798,15 +6851,33 @@
                                   </p:childTnLst>
                                 </p:cTn>
                               </p:par>
+                            </p:childTnLst>
+                          </p:cTn>
+                        </p:par>
+                      </p:childTnLst>
+                    </p:cTn>
+                  </p:par>
+                  <p:par>
+                    <p:cTn id="18" fill="hold">
+                      <p:stCondLst>
+                        <p:cond delay="indefinite"/>
+                      </p:stCondLst>
+                      <p:childTnLst>
+                        <p:par>
+                          <p:cTn id="19" fill="hold">
+                            <p:stCondLst>
+                              <p:cond delay="0"/>
+                            </p:stCondLst>
+                            <p:childTnLst>
                               <p:par>
-                                <p:cTn id="14" presetID="10" presetClass="entr" presetSubtype="0" fill="hold" grpId="0" nodeType="withEffect">
+                                <p:cTn id="20" presetID="10" presetClass="entr" presetSubtype="0" fill="hold" grpId="0" nodeType="clickEffect">
                                   <p:stCondLst>
                                     <p:cond delay="0"/>
                                   </p:stCondLst>
                                   <p:childTnLst>
                                     <p:set>
                                       <p:cBhvr>
-                                        <p:cTn id="15" dur="1" fill="hold">
+                                        <p:cTn id="21" dur="1" fill="hold">
                                           <p:stCondLst>
                                             <p:cond delay="0"/>
                                           </p:stCondLst>
@@ -6828,11 +6899,133 @@
                                     </p:set>
                                     <p:animEffect transition="in" filter="fade">
                                       <p:cBhvr>
-                                        <p:cTn id="16" dur="500"/>
+                                        <p:cTn id="22" dur="500"/>
                                         <p:tgtEl>
                                           <p:spTgt spid="6146">
                                             <p:txEl>
                                               <p:pRg st="3" end="3"/>
+                                            </p:txEl>
+                                          </p:spTgt>
+                                        </p:tgtEl>
+                                      </p:cBhvr>
+                                    </p:animEffect>
+                                  </p:childTnLst>
+                                </p:cTn>
+                              </p:par>
+                            </p:childTnLst>
+                          </p:cTn>
+                        </p:par>
+                      </p:childTnLst>
+                    </p:cTn>
+                  </p:par>
+                  <p:par>
+                    <p:cTn id="23" fill="hold">
+                      <p:stCondLst>
+                        <p:cond delay="indefinite"/>
+                      </p:stCondLst>
+                      <p:childTnLst>
+                        <p:par>
+                          <p:cTn id="24" fill="hold">
+                            <p:stCondLst>
+                              <p:cond delay="0"/>
+                            </p:stCondLst>
+                            <p:childTnLst>
+                              <p:par>
+                                <p:cTn id="25" presetID="10" presetClass="entr" presetSubtype="0" fill="hold" grpId="0" nodeType="clickEffect">
+                                  <p:stCondLst>
+                                    <p:cond delay="0"/>
+                                  </p:stCondLst>
+                                  <p:childTnLst>
+                                    <p:set>
+                                      <p:cBhvr>
+                                        <p:cTn id="26" dur="1" fill="hold">
+                                          <p:stCondLst>
+                                            <p:cond delay="0"/>
+                                          </p:stCondLst>
+                                        </p:cTn>
+                                        <p:tgtEl>
+                                          <p:spTgt spid="6146">
+                                            <p:txEl>
+                                              <p:pRg st="4" end="4"/>
+                                            </p:txEl>
+                                          </p:spTgt>
+                                        </p:tgtEl>
+                                        <p:attrNameLst>
+                                          <p:attrName>style.visibility</p:attrName>
+                                        </p:attrNameLst>
+                                      </p:cBhvr>
+                                      <p:to>
+                                        <p:strVal val="visible"/>
+                                      </p:to>
+                                    </p:set>
+                                    <p:animEffect transition="in" filter="fade">
+                                      <p:cBhvr>
+                                        <p:cTn id="27" dur="500"/>
+                                        <p:tgtEl>
+                                          <p:spTgt spid="6146">
+                                            <p:txEl>
+                                              <p:pRg st="4" end="4"/>
+                                            </p:txEl>
+                                          </p:spTgt>
+                                        </p:tgtEl>
+                                      </p:cBhvr>
+                                    </p:animEffect>
+                                  </p:childTnLst>
+                                </p:cTn>
+                              </p:par>
+                            </p:childTnLst>
+                          </p:cTn>
+                        </p:par>
+                      </p:childTnLst>
+                    </p:cTn>
+                  </p:par>
+                  <p:par>
+                    <p:cTn id="28" fill="hold">
+                      <p:stCondLst>
+                        <p:cond delay="indefinite"/>
+                      </p:stCondLst>
+                      <p:childTnLst>
+                        <p:par>
+                          <p:cTn id="29" fill="hold">
+                            <p:stCondLst>
+                              <p:cond delay="0"/>
+                            </p:stCondLst>
+                            <p:childTnLst>
+                              <p:par>
+                                <p:cTn id="30" presetID="10" presetClass="entr" presetSubtype="0" fill="hold" grpId="0" nodeType="clickEffect">
+                                  <p:stCondLst>
+                                    <p:cond delay="0"/>
+                                  </p:stCondLst>
+                                  <p:childTnLst>
+                                    <p:set>
+                                      <p:cBhvr>
+                                        <p:cTn id="31" dur="1" fill="hold">
+                                          <p:stCondLst>
+                                            <p:cond delay="0"/>
+                                          </p:stCondLst>
+                                        </p:cTn>
+                                        <p:tgtEl>
+                                          <p:spTgt spid="6146">
+                                            <p:txEl>
+                                              <p:pRg st="5" end="5"/>
+                                            </p:txEl>
+                                          </p:spTgt>
+                                        </p:tgtEl>
+                                        <p:attrNameLst>
+                                          <p:attrName>style.visibility</p:attrName>
+                                        </p:attrNameLst>
+                                      </p:cBhvr>
+                                      <p:to>
+                                        <p:strVal val="visible"/>
+                                      </p:to>
+                                    </p:set>
+                                    <p:animEffect transition="in" filter="fade">
+                                      <p:cBhvr>
+                                        <p:cTn id="32" dur="500"/>
+                                        <p:tgtEl>
+                                          <p:spTgt spid="6146">
+                                            <p:txEl>
+                                              <p:pRg st="5" end="5"/>
                                             </p:txEl>
                                           </p:spTgt>
                                         </p:tgtEl>
@@ -6869,7 +7062,7 @@
       </p:par>
     </p:tnLst>
     <p:bldLst>
-      <p:bldP spid="6146" grpId="0" build="p"/>
+      <p:bldP spid="6146" grpId="0" uiExpand="1" build="p"/>
     </p:bldLst>
   </p:timing>
 </p:sld>
@@ -7560,14 +7753,14 @@
           </a:ln>
           <a:extLst>
             <a:ext uri="{909E8E84-426E-40dd-AFC4-6F175D3DCCD1}">
-              <a14:hiddenFill xmlns:a14="http://schemas.microsoft.com/office/drawing/2010/main" xmlns="">
+              <a14:hiddenFill xmlns="" xmlns:a14="http://schemas.microsoft.com/office/drawing/2010/main">
                 <a:solidFill>
                   <a:srgbClr val="FFFFFF"/>
                 </a:solidFill>
               </a14:hiddenFill>
             </a:ext>
             <a:ext uri="{91240B29-F687-4f45-9708-019B960494DF}">
-              <a14:hiddenLine xmlns:a14="http://schemas.microsoft.com/office/drawing/2010/main" xmlns="" w="9525">
+              <a14:hiddenLine xmlns="" xmlns:a14="http://schemas.microsoft.com/office/drawing/2010/main" w="9525">
                 <a:solidFill>
                   <a:srgbClr val="000000"/>
                 </a:solidFill>

--- a/04-More Practices.pptx
+++ b/04-More Practices.pptx
@@ -868,7 +868,7 @@
           </a:ln>
           <a:extLst>
             <a:ext uri="{909E8E84-426E-40dd-AFC4-6F175D3DCCD1}">
-              <a14:hiddenFill xmlns="" xmlns:a14="http://schemas.microsoft.com/office/drawing/2010/main">
+              <a14:hiddenFill xmlns:a14="http://schemas.microsoft.com/office/drawing/2010/main" xmlns="">
                 <a:solidFill>
                   <a:srgbClr val="FFFFFF"/>
                 </a:solidFill>
@@ -891,14 +891,14 @@
           <a:noFill/>
           <a:extLst>
             <a:ext uri="{909E8E84-426E-40dd-AFC4-6F175D3DCCD1}">
-              <a14:hiddenFill xmlns="" xmlns:a14="http://schemas.microsoft.com/office/drawing/2010/main">
+              <a14:hiddenFill xmlns:a14="http://schemas.microsoft.com/office/drawing/2010/main" xmlns="">
                 <a:solidFill>
                   <a:srgbClr val="FFFFFF"/>
                 </a:solidFill>
               </a14:hiddenFill>
             </a:ext>
             <a:ext uri="{91240B29-F687-4f45-9708-019B960494DF}">
-              <a14:hiddenLine xmlns="" xmlns:a14="http://schemas.microsoft.com/office/drawing/2010/main" w="9525">
+              <a14:hiddenLine xmlns:a14="http://schemas.microsoft.com/office/drawing/2010/main" xmlns="" w="9525">
                 <a:solidFill>
                   <a:srgbClr val="000000"/>
                 </a:solidFill>
@@ -936,14 +936,14 @@
           <a:noFill/>
           <a:extLst>
             <a:ext uri="{909E8E84-426E-40dd-AFC4-6F175D3DCCD1}">
-              <a14:hiddenFill xmlns="" xmlns:a14="http://schemas.microsoft.com/office/drawing/2010/main">
+              <a14:hiddenFill xmlns:a14="http://schemas.microsoft.com/office/drawing/2010/main" xmlns="">
                 <a:solidFill>
                   <a:srgbClr val="FFFFFF"/>
                 </a:solidFill>
               </a14:hiddenFill>
             </a:ext>
             <a:ext uri="{91240B29-F687-4f45-9708-019B960494DF}">
-              <a14:hiddenLine xmlns="" xmlns:a14="http://schemas.microsoft.com/office/drawing/2010/main" w="9525">
+              <a14:hiddenLine xmlns:a14="http://schemas.microsoft.com/office/drawing/2010/main" xmlns="" w="9525">
                 <a:solidFill>
                   <a:srgbClr val="000000"/>
                 </a:solidFill>
@@ -1809,7 +1809,7 @@
           </a:ln>
           <a:extLst>
             <a:ext uri="{909E8E84-426E-40dd-AFC4-6F175D3DCCD1}">
-              <a14:hiddenFill xmlns="" xmlns:a14="http://schemas.microsoft.com/office/drawing/2010/main">
+              <a14:hiddenFill xmlns:a14="http://schemas.microsoft.com/office/drawing/2010/main" xmlns="">
                 <a:solidFill>
                   <a:srgbClr val="FFFFFF"/>
                 </a:solidFill>
@@ -1832,14 +1832,14 @@
           <a:noFill/>
           <a:extLst>
             <a:ext uri="{909E8E84-426E-40dd-AFC4-6F175D3DCCD1}">
-              <a14:hiddenFill xmlns="" xmlns:a14="http://schemas.microsoft.com/office/drawing/2010/main">
+              <a14:hiddenFill xmlns:a14="http://schemas.microsoft.com/office/drawing/2010/main" xmlns="">
                 <a:solidFill>
                   <a:srgbClr val="FFFFFF"/>
                 </a:solidFill>
               </a14:hiddenFill>
             </a:ext>
             <a:ext uri="{91240B29-F687-4f45-9708-019B960494DF}">
-              <a14:hiddenLine xmlns="" xmlns:a14="http://schemas.microsoft.com/office/drawing/2010/main" w="9525">
+              <a14:hiddenLine xmlns:a14="http://schemas.microsoft.com/office/drawing/2010/main" xmlns="" w="9525">
                 <a:solidFill>
                   <a:srgbClr val="000000"/>
                 </a:solidFill>
@@ -1877,14 +1877,14 @@
           <a:noFill/>
           <a:extLst>
             <a:ext uri="{909E8E84-426E-40dd-AFC4-6F175D3DCCD1}">
-              <a14:hiddenFill xmlns="" xmlns:a14="http://schemas.microsoft.com/office/drawing/2010/main">
+              <a14:hiddenFill xmlns:a14="http://schemas.microsoft.com/office/drawing/2010/main" xmlns="">
                 <a:solidFill>
                   <a:srgbClr val="FFFFFF"/>
                 </a:solidFill>
               </a14:hiddenFill>
             </a:ext>
             <a:ext uri="{91240B29-F687-4f45-9708-019B960494DF}">
-              <a14:hiddenLine xmlns="" xmlns:a14="http://schemas.microsoft.com/office/drawing/2010/main" w="9525">
+              <a14:hiddenLine xmlns:a14="http://schemas.microsoft.com/office/drawing/2010/main" xmlns="" w="9525">
                 <a:solidFill>
                   <a:srgbClr val="000000"/>
                 </a:solidFill>
@@ -7713,6 +7713,9 @@
           <a:bodyPr/>
           <a:lstStyle/>
           <a:p>
+            <a:pPr marL="0" indent="0">
+              <a:buNone/>
+            </a:pPr>
             <a:r>
               <a:rPr lang="en-US" sz="2400" dirty="0" smtClean="0">
                 <a:latin typeface="News Gothic Com Thin" charset="0"/>
@@ -7741,7 +7744,7 @@
         </p:blipFill>
         <p:spPr bwMode="auto">
           <a:xfrm>
-            <a:off x="1219200" y="1737360"/>
+            <a:off x="1219200" y="1959786"/>
             <a:ext cx="6705600" cy="2666343"/>
           </a:xfrm>
           <a:prstGeom prst="rect">
@@ -7753,14 +7756,14 @@
           </a:ln>
           <a:extLst>
             <a:ext uri="{909E8E84-426E-40dd-AFC4-6F175D3DCCD1}">
-              <a14:hiddenFill xmlns="" xmlns:a14="http://schemas.microsoft.com/office/drawing/2010/main">
+              <a14:hiddenFill xmlns:a14="http://schemas.microsoft.com/office/drawing/2010/main" xmlns="">
                 <a:solidFill>
                   <a:srgbClr val="FFFFFF"/>
                 </a:solidFill>
               </a14:hiddenFill>
             </a:ext>
             <a:ext uri="{91240B29-F687-4f45-9708-019B960494DF}">
-              <a14:hiddenLine xmlns="" xmlns:a14="http://schemas.microsoft.com/office/drawing/2010/main" w="9525">
+              <a14:hiddenLine xmlns:a14="http://schemas.microsoft.com/office/drawing/2010/main" xmlns="" w="9525">
                 <a:solidFill>
                   <a:srgbClr val="000000"/>
                 </a:solidFill>
@@ -7925,25 +7928,6 @@
             <a:endParaRPr lang="en-US" dirty="0">
               <a:latin typeface="News Gothic Com Thin" charset="0"/>
             </a:endParaRPr>
-          </a:p>
-        </p:txBody>
-      </p:sp>
-      <p:sp>
-        <p:nvSpPr>
-          <p:cNvPr id="2" name="Content Placeholder 1"/>
-          <p:cNvSpPr>
-            <a:spLocks noGrp="1"/>
-          </p:cNvSpPr>
-          <p:nvPr>
-            <p:ph idx="1"/>
-          </p:nvPr>
-        </p:nvSpPr>
-        <p:spPr/>
-        <p:txBody>
-          <a:bodyPr/>
-          <a:lstStyle/>
-          <a:p>
-            <a:endParaRPr lang="en-US"/>
           </a:p>
         </p:txBody>
       </p:sp>

--- a/04-More Practices.pptx
+++ b/04-More Practices.pptx
@@ -868,7 +868,7 @@
           </a:ln>
           <a:extLst>
             <a:ext uri="{909E8E84-426E-40dd-AFC4-6F175D3DCCD1}">
-              <a14:hiddenFill xmlns:a14="http://schemas.microsoft.com/office/drawing/2010/main" xmlns="">
+              <a14:hiddenFill xmlns="" xmlns:a14="http://schemas.microsoft.com/office/drawing/2010/main">
                 <a:solidFill>
                   <a:srgbClr val="FFFFFF"/>
                 </a:solidFill>
@@ -891,14 +891,14 @@
           <a:noFill/>
           <a:extLst>
             <a:ext uri="{909E8E84-426E-40dd-AFC4-6F175D3DCCD1}">
-              <a14:hiddenFill xmlns:a14="http://schemas.microsoft.com/office/drawing/2010/main" xmlns="">
+              <a14:hiddenFill xmlns="" xmlns:a14="http://schemas.microsoft.com/office/drawing/2010/main">
                 <a:solidFill>
                   <a:srgbClr val="FFFFFF"/>
                 </a:solidFill>
               </a14:hiddenFill>
             </a:ext>
             <a:ext uri="{91240B29-F687-4f45-9708-019B960494DF}">
-              <a14:hiddenLine xmlns:a14="http://schemas.microsoft.com/office/drawing/2010/main" xmlns="" w="9525">
+              <a14:hiddenLine xmlns="" xmlns:a14="http://schemas.microsoft.com/office/drawing/2010/main" w="9525">
                 <a:solidFill>
                   <a:srgbClr val="000000"/>
                 </a:solidFill>
@@ -936,14 +936,14 @@
           <a:noFill/>
           <a:extLst>
             <a:ext uri="{909E8E84-426E-40dd-AFC4-6F175D3DCCD1}">
-              <a14:hiddenFill xmlns:a14="http://schemas.microsoft.com/office/drawing/2010/main" xmlns="">
+              <a14:hiddenFill xmlns="" xmlns:a14="http://schemas.microsoft.com/office/drawing/2010/main">
                 <a:solidFill>
                   <a:srgbClr val="FFFFFF"/>
                 </a:solidFill>
               </a14:hiddenFill>
             </a:ext>
             <a:ext uri="{91240B29-F687-4f45-9708-019B960494DF}">
-              <a14:hiddenLine xmlns:a14="http://schemas.microsoft.com/office/drawing/2010/main" xmlns="" w="9525">
+              <a14:hiddenLine xmlns="" xmlns:a14="http://schemas.microsoft.com/office/drawing/2010/main" w="9525">
                 <a:solidFill>
                   <a:srgbClr val="000000"/>
                 </a:solidFill>
@@ -1809,7 +1809,7 @@
           </a:ln>
           <a:extLst>
             <a:ext uri="{909E8E84-426E-40dd-AFC4-6F175D3DCCD1}">
-              <a14:hiddenFill xmlns:a14="http://schemas.microsoft.com/office/drawing/2010/main" xmlns="">
+              <a14:hiddenFill xmlns="" xmlns:a14="http://schemas.microsoft.com/office/drawing/2010/main">
                 <a:solidFill>
                   <a:srgbClr val="FFFFFF"/>
                 </a:solidFill>
@@ -1832,14 +1832,14 @@
           <a:noFill/>
           <a:extLst>
             <a:ext uri="{909E8E84-426E-40dd-AFC4-6F175D3DCCD1}">
-              <a14:hiddenFill xmlns:a14="http://schemas.microsoft.com/office/drawing/2010/main" xmlns="">
+              <a14:hiddenFill xmlns="" xmlns:a14="http://schemas.microsoft.com/office/drawing/2010/main">
                 <a:solidFill>
                   <a:srgbClr val="FFFFFF"/>
                 </a:solidFill>
               </a14:hiddenFill>
             </a:ext>
             <a:ext uri="{91240B29-F687-4f45-9708-019B960494DF}">
-              <a14:hiddenLine xmlns:a14="http://schemas.microsoft.com/office/drawing/2010/main" xmlns="" w="9525">
+              <a14:hiddenLine xmlns="" xmlns:a14="http://schemas.microsoft.com/office/drawing/2010/main" w="9525">
                 <a:solidFill>
                   <a:srgbClr val="000000"/>
                 </a:solidFill>
@@ -1877,14 +1877,14 @@
           <a:noFill/>
           <a:extLst>
             <a:ext uri="{909E8E84-426E-40dd-AFC4-6F175D3DCCD1}">
-              <a14:hiddenFill xmlns:a14="http://schemas.microsoft.com/office/drawing/2010/main" xmlns="">
+              <a14:hiddenFill xmlns="" xmlns:a14="http://schemas.microsoft.com/office/drawing/2010/main">
                 <a:solidFill>
                   <a:srgbClr val="FFFFFF"/>
                 </a:solidFill>
               </a14:hiddenFill>
             </a:ext>
             <a:ext uri="{91240B29-F687-4f45-9708-019B960494DF}">
-              <a14:hiddenLine xmlns:a14="http://schemas.microsoft.com/office/drawing/2010/main" xmlns="" w="9525">
+              <a14:hiddenLine xmlns="" xmlns:a14="http://schemas.microsoft.com/office/drawing/2010/main" w="9525">
                 <a:solidFill>
                   <a:srgbClr val="000000"/>
                 </a:solidFill>
@@ -7756,14 +7756,14 @@
           </a:ln>
           <a:extLst>
             <a:ext uri="{909E8E84-426E-40dd-AFC4-6F175D3DCCD1}">
-              <a14:hiddenFill xmlns:a14="http://schemas.microsoft.com/office/drawing/2010/main" xmlns="">
+              <a14:hiddenFill xmlns="" xmlns:a14="http://schemas.microsoft.com/office/drawing/2010/main">
                 <a:solidFill>
                   <a:srgbClr val="FFFFFF"/>
                 </a:solidFill>
               </a14:hiddenFill>
             </a:ext>
             <a:ext uri="{91240B29-F687-4f45-9708-019B960494DF}">
-              <a14:hiddenLine xmlns:a14="http://schemas.microsoft.com/office/drawing/2010/main" xmlns="" w="9525">
+              <a14:hiddenLine xmlns="" xmlns:a14="http://schemas.microsoft.com/office/drawing/2010/main" w="9525">
                 <a:solidFill>
                   <a:srgbClr val="000000"/>
                 </a:solidFill>
@@ -8854,7 +8854,15 @@
           <a:p>
             <a:r>
               <a:rPr lang="en-US" dirty="0" smtClean="0"/>
-              <a:t>Constructor Injection (preferred)</a:t>
+              <a:t>Constructor Injection </a:t>
+            </a:r>
+            <a:r>
+              <a:rPr lang="en-US" dirty="0" smtClean="0"/>
+              <a:t>(my preferred</a:t>
+            </a:r>
+            <a:r>
+              <a:rPr lang="en-US" dirty="0" smtClean="0"/>
+              <a:t>)</a:t>
             </a:r>
           </a:p>
           <a:p>
